--- a/microarchitecture/rsa_micro.pptx
+++ b/microarchitecture/rsa_micro.pptx
@@ -399,7 +399,7 @@
             <a:fld id="{87DE6118-2437-4B30-8E3C-4D2BE6020583}" type="datetimeFigureOut">
               <a:rPr lang="en-US" dirty="0"/>
               <a:pPr/>
-              <a:t>10/1/24</a:t>
+              <a:t>10/2/24</a:t>
             </a:fld>
             <a:endParaRPr lang="en-US" dirty="0"/>
           </a:p>
@@ -725,7 +725,7 @@
           <a:p>
             <a:fld id="{87DE6118-2437-4B30-8E3C-4D2BE6020583}" type="datetimeFigureOut">
               <a:rPr lang="en-US" dirty="0"/>
-              <a:t>10/1/24</a:t>
+              <a:t>10/2/24</a:t>
             </a:fld>
             <a:endParaRPr lang="en-US" dirty="0"/>
           </a:p>
@@ -900,7 +900,7 @@
           <a:p>
             <a:fld id="{87DE6118-2437-4B30-8E3C-4D2BE6020583}" type="datetimeFigureOut">
               <a:rPr lang="en-US" dirty="0"/>
-              <a:t>10/1/24</a:t>
+              <a:t>10/2/24</a:t>
             </a:fld>
             <a:endParaRPr lang="en-US" dirty="0"/>
           </a:p>
@@ -1065,7 +1065,7 @@
           <a:p>
             <a:fld id="{87DE6118-2437-4B30-8E3C-4D2BE6020583}" type="datetimeFigureOut">
               <a:rPr lang="en-US" dirty="0"/>
-              <a:t>10/1/24</a:t>
+              <a:t>10/2/24</a:t>
             </a:fld>
             <a:endParaRPr lang="en-US" dirty="0"/>
           </a:p>
@@ -1338,7 +1338,7 @@
             <a:fld id="{87DE6118-2437-4B30-8E3C-4D2BE6020583}" type="datetimeFigureOut">
               <a:rPr lang="en-US" dirty="0"/>
               <a:pPr/>
-              <a:t>10/1/24</a:t>
+              <a:t>10/2/24</a:t>
             </a:fld>
             <a:endParaRPr lang="en-US" dirty="0"/>
           </a:p>
@@ -1728,7 +1728,7 @@
           <a:p>
             <a:fld id="{87DE6118-2437-4B30-8E3C-4D2BE6020583}" type="datetimeFigureOut">
               <a:rPr lang="en-US" dirty="0"/>
-              <a:t>10/1/24</a:t>
+              <a:t>10/2/24</a:t>
             </a:fld>
             <a:endParaRPr lang="en-US" dirty="0"/>
           </a:p>
@@ -2200,7 +2200,7 @@
           <a:p>
             <a:fld id="{87DE6118-2437-4B30-8E3C-4D2BE6020583}" type="datetimeFigureOut">
               <a:rPr lang="en-US" dirty="0"/>
-              <a:t>10/1/24</a:t>
+              <a:t>10/2/24</a:t>
             </a:fld>
             <a:endParaRPr lang="en-US" dirty="0"/>
           </a:p>
@@ -2313,7 +2313,7 @@
           <a:p>
             <a:fld id="{87DE6118-2437-4B30-8E3C-4D2BE6020583}" type="datetimeFigureOut">
               <a:rPr lang="en-US" dirty="0"/>
-              <a:t>10/1/24</a:t>
+              <a:t>10/2/24</a:t>
             </a:fld>
             <a:endParaRPr lang="en-US" dirty="0"/>
           </a:p>
@@ -2403,7 +2403,7 @@
           <a:p>
             <a:fld id="{87DE6118-2437-4B30-8E3C-4D2BE6020583}" type="datetimeFigureOut">
               <a:rPr lang="en-US" dirty="0"/>
-              <a:t>10/1/24</a:t>
+              <a:t>10/2/24</a:t>
             </a:fld>
             <a:endParaRPr lang="en-US" dirty="0"/>
           </a:p>
@@ -2745,7 +2745,7 @@
             <a:fld id="{87DE6118-2437-4B30-8E3C-4D2BE6020583}" type="datetimeFigureOut">
               <a:rPr lang="en-US" dirty="0"/>
               <a:pPr/>
-              <a:t>10/1/24</a:t>
+              <a:t>10/2/24</a:t>
             </a:fld>
             <a:endParaRPr lang="en-US" dirty="0"/>
           </a:p>
@@ -3130,7 +3130,7 @@
             <a:fld id="{87DE6118-2437-4B30-8E3C-4D2BE6020583}" type="datetimeFigureOut">
               <a:rPr lang="en-US" dirty="0"/>
               <a:pPr/>
-              <a:t>10/1/24</a:t>
+              <a:t>10/2/24</a:t>
             </a:fld>
             <a:endParaRPr lang="en-US" dirty="0"/>
           </a:p>
@@ -3405,7 +3405,7 @@
             <a:fld id="{87DE6118-2437-4B30-8E3C-4D2BE6020583}" type="datetimeFigureOut">
               <a:rPr lang="en-US" dirty="0"/>
               <a:pPr/>
-              <a:t>10/1/24</a:t>
+              <a:t>10/2/24</a:t>
             </a:fld>
             <a:endParaRPr lang="en-US" dirty="0"/>
           </a:p>
@@ -5100,7 +5100,9 @@
           </a:xfrm>
         </p:spPr>
         <p:txBody>
-          <a:bodyPr/>
+          <a:bodyPr>
+            <a:normAutofit fontScale="92500" lnSpcReduction="10000"/>
+          </a:bodyPr>
           <a:lstStyle/>
           <a:p>
             <a:r>
@@ -5162,7 +5164,85 @@
             </a:r>
             <a:r>
               <a:rPr lang="nb-NO" dirty="0"/>
-              <a:t> and </a:t>
+              <a:t> </a:t>
+            </a:r>
+          </a:p>
+          <a:p>
+            <a:r>
+              <a:rPr lang="nb-NO" dirty="0"/>
+              <a:t>Goes </a:t>
+            </a:r>
+            <a:r>
+              <a:rPr lang="nb-NO" dirty="0" err="1"/>
+              <a:t>through</a:t>
+            </a:r>
+            <a:r>
+              <a:rPr lang="nb-NO" dirty="0"/>
+              <a:t> all bits in </a:t>
+            </a:r>
+            <a:r>
+              <a:rPr lang="nb-NO" dirty="0" err="1"/>
+              <a:t>the</a:t>
+            </a:r>
+            <a:r>
+              <a:rPr lang="nb-NO" dirty="0"/>
+              <a:t> </a:t>
+            </a:r>
+            <a:r>
+              <a:rPr lang="nb-NO" dirty="0" err="1"/>
+              <a:t>exponent</a:t>
+            </a:r>
+            <a:r>
+              <a:rPr lang="nb-NO" dirty="0"/>
+              <a:t> (</a:t>
+            </a:r>
+            <a:r>
+              <a:rPr lang="nb-NO" dirty="0" err="1"/>
+              <a:t>max</a:t>
+            </a:r>
+            <a:r>
+              <a:rPr lang="nb-NO" dirty="0"/>
+              <a:t> 256 </a:t>
+            </a:r>
+            <a:r>
+              <a:rPr lang="nb-NO" dirty="0" err="1"/>
+              <a:t>cycles</a:t>
+            </a:r>
+            <a:r>
+              <a:rPr lang="nb-NO" dirty="0"/>
+              <a:t>)</a:t>
+            </a:r>
+          </a:p>
+          <a:p>
+            <a:endParaRPr lang="nb-NO" dirty="0"/>
+          </a:p>
+          <a:p>
+            <a:r>
+              <a:rPr lang="nb-NO" dirty="0" err="1"/>
+              <a:t>Multiplication</a:t>
+            </a:r>
+            <a:endParaRPr lang="nb-NO" dirty="0"/>
+          </a:p>
+          <a:p>
+            <a:r>
+              <a:rPr lang="nb-NO" dirty="0"/>
+              <a:t>For </a:t>
+            </a:r>
+            <a:r>
+              <a:rPr lang="nb-NO" dirty="0" err="1"/>
+              <a:t>each</a:t>
+            </a:r>
+            <a:r>
+              <a:rPr lang="nb-NO" dirty="0"/>
+              <a:t> bit in </a:t>
+            </a:r>
+            <a:r>
+              <a:rPr lang="nb-NO" dirty="0" err="1"/>
+              <a:t>exponent</a:t>
+            </a:r>
+            <a:r>
+              <a:rPr lang="nb-NO" dirty="0"/>
+              <a:t>, </a:t>
             </a:r>
             <a:r>
               <a:rPr lang="nb-NO" dirty="0" err="1"/>
@@ -5170,29 +5250,15 @@
             </a:r>
             <a:r>
               <a:rPr lang="nb-NO" dirty="0"/>
-              <a:t>:</a:t>
-            </a:r>
-          </a:p>
-          <a:p>
+              <a:t> is done (</a:t>
+            </a:r>
+            <a:r>
+              <a:rPr lang="nb-NO" dirty="0" err="1"/>
+              <a:t>max</a:t>
+            </a:r>
             <a:r>
               <a:rPr lang="nb-NO" dirty="0"/>
-              <a:t>Goes </a:t>
-            </a:r>
-            <a:r>
-              <a:rPr lang="nb-NO" dirty="0" err="1"/>
-              <a:t>through</a:t>
-            </a:r>
-            <a:r>
-              <a:rPr lang="nb-NO" dirty="0"/>
-              <a:t> all bits in </a:t>
-            </a:r>
-            <a:r>
-              <a:rPr lang="nb-NO" dirty="0" err="1"/>
-              <a:t>exponent</a:t>
-            </a:r>
-            <a:r>
-              <a:rPr lang="nb-NO" dirty="0"/>
-              <a:t> (h </a:t>
+              <a:t> 256 </a:t>
             </a:r>
             <a:r>
               <a:rPr lang="nb-NO" dirty="0" err="1"/>
@@ -5204,98 +5270,6 @@
             </a:r>
           </a:p>
           <a:p>
-            <a:r>
-              <a:rPr lang="nb-NO" dirty="0"/>
-              <a:t>For </a:t>
-            </a:r>
-            <a:r>
-              <a:rPr lang="nb-NO" dirty="0" err="1"/>
-              <a:t>each</a:t>
-            </a:r>
-            <a:r>
-              <a:rPr lang="nb-NO" dirty="0"/>
-              <a:t> bit in </a:t>
-            </a:r>
-            <a:r>
-              <a:rPr lang="nb-NO" dirty="0" err="1"/>
-              <a:t>exponent</a:t>
-            </a:r>
-            <a:r>
-              <a:rPr lang="nb-NO" dirty="0"/>
-              <a:t>, </a:t>
-            </a:r>
-            <a:r>
-              <a:rPr lang="nb-NO" dirty="0" err="1"/>
-              <a:t>multiplication</a:t>
-            </a:r>
-            <a:r>
-              <a:rPr lang="nb-NO" dirty="0"/>
-              <a:t> is done (</a:t>
-            </a:r>
-            <a:r>
-              <a:rPr lang="nb-NO" dirty="0" err="1"/>
-              <a:t>max</a:t>
-            </a:r>
-            <a:r>
-              <a:rPr lang="nb-NO" dirty="0"/>
-              <a:t> h </a:t>
-            </a:r>
-            <a:r>
-              <a:rPr lang="nb-NO" dirty="0" err="1"/>
-              <a:t>cycles</a:t>
-            </a:r>
-            <a:r>
-              <a:rPr lang="nb-NO" dirty="0"/>
-              <a:t>)</a:t>
-            </a:r>
-          </a:p>
-          <a:p>
-            <a:r>
-              <a:rPr lang="nb-NO" dirty="0"/>
-              <a:t>O(h</a:t>
-            </a:r>
-            <a:r>
-              <a:rPr lang="nb-NO" baseline="30000" dirty="0"/>
-              <a:t>2</a:t>
-            </a:r>
-            <a:r>
-              <a:rPr lang="nb-NO" dirty="0"/>
-              <a:t>): h is </a:t>
-            </a:r>
-            <a:r>
-              <a:rPr lang="nb-NO" dirty="0" err="1"/>
-              <a:t>highest</a:t>
-            </a:r>
-            <a:r>
-              <a:rPr lang="nb-NO" dirty="0"/>
-              <a:t> </a:t>
-            </a:r>
-            <a:r>
-              <a:rPr lang="nb-NO" dirty="0" err="1"/>
-              <a:t>number</a:t>
-            </a:r>
-            <a:r>
-              <a:rPr lang="nb-NO" dirty="0"/>
-              <a:t> </a:t>
-            </a:r>
-            <a:r>
-              <a:rPr lang="nb-NO" dirty="0" err="1"/>
-              <a:t>of</a:t>
-            </a:r>
-            <a:r>
-              <a:rPr lang="nb-NO" dirty="0"/>
-              <a:t> bits (</a:t>
-            </a:r>
-            <a:r>
-              <a:rPr lang="nb-NO" dirty="0" err="1"/>
-              <a:t>max</a:t>
-            </a:r>
-            <a:r>
-              <a:rPr lang="nb-NO" dirty="0"/>
-              <a:t> is 256 bits). </a:t>
-            </a:r>
-          </a:p>
-          <a:p>
             <a:endParaRPr lang="nb-NO" dirty="0"/>
           </a:p>
           <a:p>
@@ -5309,7 +5283,7 @@
             </a:r>
             <a:r>
               <a:rPr lang="nb-NO" dirty="0"/>
-              <a:t>: 256*256 ≈ 65 000</a:t>
+              <a:t>: 256*256 + 2 ≈ 66 000</a:t>
             </a:r>
           </a:p>
           <a:p>
